--- a/ppt 16-9/1596.荣耀祢圣名.pptx
+++ b/ppt 16-9/1596.荣耀祢圣名.pptx
@@ -129,7 +129,7 @@
           <p:cNvPr id="2" name="标题 1">
             <a:extLst>
               <a:ext uri="{FF2B5EF4-FFF2-40B4-BE49-F238E27FC236}">
-                <a16:creationId xmlns:a16="http://schemas.microsoft.com/office/drawing/2014/main" id="{A8A2191B-681D-AF6F-74FF-15A65694C2B7}"/>
+                <a16:creationId xmlns:a16="http://schemas.microsoft.com/office/drawing/2014/main" id="{A302B987-900C-C06E-A138-1083D47B35FE}"/>
               </a:ext>
             </a:extLst>
           </p:cNvPr>
@@ -166,7 +166,7 @@
           <p:cNvPr id="3" name="副标题 2">
             <a:extLst>
               <a:ext uri="{FF2B5EF4-FFF2-40B4-BE49-F238E27FC236}">
-                <a16:creationId xmlns:a16="http://schemas.microsoft.com/office/drawing/2014/main" id="{45845515-62F4-B382-1EC8-B0D9B3C4E7F4}"/>
+                <a16:creationId xmlns:a16="http://schemas.microsoft.com/office/drawing/2014/main" id="{202DAFEC-2C9B-63D2-42FE-86E0E8B8E7DA}"/>
               </a:ext>
             </a:extLst>
           </p:cNvPr>
@@ -236,7 +236,7 @@
           <p:cNvPr id="4" name="日期占位符 3">
             <a:extLst>
               <a:ext uri="{FF2B5EF4-FFF2-40B4-BE49-F238E27FC236}">
-                <a16:creationId xmlns:a16="http://schemas.microsoft.com/office/drawing/2014/main" id="{2BDFC31B-2368-960F-8F22-EF62408E8CF5}"/>
+                <a16:creationId xmlns:a16="http://schemas.microsoft.com/office/drawing/2014/main" id="{57606F6B-35E2-28BB-8A83-9B2825C3DB27}"/>
               </a:ext>
             </a:extLst>
           </p:cNvPr>
@@ -252,7 +252,7 @@
           <a:bodyPr/>
           <a:lstStyle/>
           <a:p>
-            <a:fld id="{E39F05DC-E1B5-46D2-BD48-21BE9BBD8AC2}" type="datetimeFigureOut">
+            <a:fld id="{0C393B6B-5137-4054-A5DC-B6661DCD8062}" type="datetimeFigureOut">
               <a:rPr lang="zh-CN" altLang="en-US" smtClean="0"/>
               <a:t>2024/3/10</a:t>
             </a:fld>
@@ -265,7 +265,7 @@
           <p:cNvPr id="5" name="页脚占位符 4">
             <a:extLst>
               <a:ext uri="{FF2B5EF4-FFF2-40B4-BE49-F238E27FC236}">
-                <a16:creationId xmlns:a16="http://schemas.microsoft.com/office/drawing/2014/main" id="{C6EEB021-2B98-A5A6-8366-BFE480B7A22C}"/>
+                <a16:creationId xmlns:a16="http://schemas.microsoft.com/office/drawing/2014/main" id="{BD3D17DD-4FEA-DE7E-92D8-D8875C12599A}"/>
               </a:ext>
             </a:extLst>
           </p:cNvPr>
@@ -290,7 +290,7 @@
           <p:cNvPr id="6" name="灯片编号占位符 5">
             <a:extLst>
               <a:ext uri="{FF2B5EF4-FFF2-40B4-BE49-F238E27FC236}">
-                <a16:creationId xmlns:a16="http://schemas.microsoft.com/office/drawing/2014/main" id="{E22FC750-1DD9-6603-D1C7-D750D82FF18E}"/>
+                <a16:creationId xmlns:a16="http://schemas.microsoft.com/office/drawing/2014/main" id="{105F6EFE-3A00-9680-D523-E1100F964A89}"/>
               </a:ext>
             </a:extLst>
           </p:cNvPr>
@@ -306,7 +306,7 @@
           <a:bodyPr/>
           <a:lstStyle/>
           <a:p>
-            <a:fld id="{76BF89B8-F768-4125-AF11-CBF94FE6FBBC}" type="slidenum">
+            <a:fld id="{B757E9BD-DC6C-4F2D-8361-6764BF417F1B}" type="slidenum">
               <a:rPr lang="zh-CN" altLang="en-US" smtClean="0"/>
               <a:t>‹#›</a:t>
             </a:fld>
@@ -317,7 +317,7 @@
     </p:spTree>
     <p:extLst>
       <p:ext uri="{BB962C8B-B14F-4D97-AF65-F5344CB8AC3E}">
-        <p14:creationId xmlns:p14="http://schemas.microsoft.com/office/powerpoint/2010/main" val="1974469824"/>
+        <p14:creationId xmlns:p14="http://schemas.microsoft.com/office/powerpoint/2010/main" val="2619106613"/>
       </p:ext>
     </p:extLst>
   </p:cSld>
@@ -349,7 +349,7 @@
           <p:cNvPr id="2" name="标题 1">
             <a:extLst>
               <a:ext uri="{FF2B5EF4-FFF2-40B4-BE49-F238E27FC236}">
-                <a16:creationId xmlns:a16="http://schemas.microsoft.com/office/drawing/2014/main" id="{57A7683D-A051-8BE2-0643-BADD2F686208}"/>
+                <a16:creationId xmlns:a16="http://schemas.microsoft.com/office/drawing/2014/main" id="{B61D2806-2B25-1845-B4EC-FAE01C6C38EF}"/>
               </a:ext>
             </a:extLst>
           </p:cNvPr>
@@ -377,7 +377,7 @@
           <p:cNvPr id="3" name="竖排文字占位符 2">
             <a:extLst>
               <a:ext uri="{FF2B5EF4-FFF2-40B4-BE49-F238E27FC236}">
-                <a16:creationId xmlns:a16="http://schemas.microsoft.com/office/drawing/2014/main" id="{23827020-310D-3434-299C-626C9939F051}"/>
+                <a16:creationId xmlns:a16="http://schemas.microsoft.com/office/drawing/2014/main" id="{B4976218-8AFE-5559-6BCC-B1C51E9EB973}"/>
               </a:ext>
             </a:extLst>
           </p:cNvPr>
@@ -434,7 +434,7 @@
           <p:cNvPr id="4" name="日期占位符 3">
             <a:extLst>
               <a:ext uri="{FF2B5EF4-FFF2-40B4-BE49-F238E27FC236}">
-                <a16:creationId xmlns:a16="http://schemas.microsoft.com/office/drawing/2014/main" id="{D4A928ED-10B6-BBCE-7821-A2F256BCBF18}"/>
+                <a16:creationId xmlns:a16="http://schemas.microsoft.com/office/drawing/2014/main" id="{359AC9CC-E626-72D6-CED0-849C37290E96}"/>
               </a:ext>
             </a:extLst>
           </p:cNvPr>
@@ -450,7 +450,7 @@
           <a:bodyPr/>
           <a:lstStyle/>
           <a:p>
-            <a:fld id="{E39F05DC-E1B5-46D2-BD48-21BE9BBD8AC2}" type="datetimeFigureOut">
+            <a:fld id="{0C393B6B-5137-4054-A5DC-B6661DCD8062}" type="datetimeFigureOut">
               <a:rPr lang="zh-CN" altLang="en-US" smtClean="0"/>
               <a:t>2024/3/10</a:t>
             </a:fld>
@@ -463,7 +463,7 @@
           <p:cNvPr id="5" name="页脚占位符 4">
             <a:extLst>
               <a:ext uri="{FF2B5EF4-FFF2-40B4-BE49-F238E27FC236}">
-                <a16:creationId xmlns:a16="http://schemas.microsoft.com/office/drawing/2014/main" id="{2707154B-C6BE-DA4B-9727-D0B7CF71B917}"/>
+                <a16:creationId xmlns:a16="http://schemas.microsoft.com/office/drawing/2014/main" id="{82C579F2-79F1-DE06-9C0B-42A22CCEE021}"/>
               </a:ext>
             </a:extLst>
           </p:cNvPr>
@@ -488,7 +488,7 @@
           <p:cNvPr id="6" name="灯片编号占位符 5">
             <a:extLst>
               <a:ext uri="{FF2B5EF4-FFF2-40B4-BE49-F238E27FC236}">
-                <a16:creationId xmlns:a16="http://schemas.microsoft.com/office/drawing/2014/main" id="{D173B8A9-C5D4-BF89-9631-E74A047A9F44}"/>
+                <a16:creationId xmlns:a16="http://schemas.microsoft.com/office/drawing/2014/main" id="{A843FD48-F3B0-2CC4-199F-31C994938B62}"/>
               </a:ext>
             </a:extLst>
           </p:cNvPr>
@@ -504,7 +504,7 @@
           <a:bodyPr/>
           <a:lstStyle/>
           <a:p>
-            <a:fld id="{76BF89B8-F768-4125-AF11-CBF94FE6FBBC}" type="slidenum">
+            <a:fld id="{B757E9BD-DC6C-4F2D-8361-6764BF417F1B}" type="slidenum">
               <a:rPr lang="zh-CN" altLang="en-US" smtClean="0"/>
               <a:t>‹#›</a:t>
             </a:fld>
@@ -515,7 +515,7 @@
     </p:spTree>
     <p:extLst>
       <p:ext uri="{BB962C8B-B14F-4D97-AF65-F5344CB8AC3E}">
-        <p14:creationId xmlns:p14="http://schemas.microsoft.com/office/powerpoint/2010/main" val="2532013352"/>
+        <p14:creationId xmlns:p14="http://schemas.microsoft.com/office/powerpoint/2010/main" val="853548392"/>
       </p:ext>
     </p:extLst>
   </p:cSld>
@@ -547,7 +547,7 @@
           <p:cNvPr id="2" name="竖排标题 1">
             <a:extLst>
               <a:ext uri="{FF2B5EF4-FFF2-40B4-BE49-F238E27FC236}">
-                <a16:creationId xmlns:a16="http://schemas.microsoft.com/office/drawing/2014/main" id="{FE3F4055-9EC5-0B0B-ADAF-F5242CF3F3AC}"/>
+                <a16:creationId xmlns:a16="http://schemas.microsoft.com/office/drawing/2014/main" id="{D03665FB-59CC-9074-A363-F94AA87BB643}"/>
               </a:ext>
             </a:extLst>
           </p:cNvPr>
@@ -580,7 +580,7 @@
           <p:cNvPr id="3" name="竖排文字占位符 2">
             <a:extLst>
               <a:ext uri="{FF2B5EF4-FFF2-40B4-BE49-F238E27FC236}">
-                <a16:creationId xmlns:a16="http://schemas.microsoft.com/office/drawing/2014/main" id="{956380A7-8E04-6E70-4A76-28E5A965429A}"/>
+                <a16:creationId xmlns:a16="http://schemas.microsoft.com/office/drawing/2014/main" id="{7A241938-2763-9A8E-CFDB-87F5EF2E9450}"/>
               </a:ext>
             </a:extLst>
           </p:cNvPr>
@@ -642,7 +642,7 @@
           <p:cNvPr id="4" name="日期占位符 3">
             <a:extLst>
               <a:ext uri="{FF2B5EF4-FFF2-40B4-BE49-F238E27FC236}">
-                <a16:creationId xmlns:a16="http://schemas.microsoft.com/office/drawing/2014/main" id="{5A5F21BD-596F-E797-9ED0-45E8C4266935}"/>
+                <a16:creationId xmlns:a16="http://schemas.microsoft.com/office/drawing/2014/main" id="{CB9667F1-0C18-150C-DACA-B6F74A0A5A4C}"/>
               </a:ext>
             </a:extLst>
           </p:cNvPr>
@@ -658,7 +658,7 @@
           <a:bodyPr/>
           <a:lstStyle/>
           <a:p>
-            <a:fld id="{E39F05DC-E1B5-46D2-BD48-21BE9BBD8AC2}" type="datetimeFigureOut">
+            <a:fld id="{0C393B6B-5137-4054-A5DC-B6661DCD8062}" type="datetimeFigureOut">
               <a:rPr lang="zh-CN" altLang="en-US" smtClean="0"/>
               <a:t>2024/3/10</a:t>
             </a:fld>
@@ -671,7 +671,7 @@
           <p:cNvPr id="5" name="页脚占位符 4">
             <a:extLst>
               <a:ext uri="{FF2B5EF4-FFF2-40B4-BE49-F238E27FC236}">
-                <a16:creationId xmlns:a16="http://schemas.microsoft.com/office/drawing/2014/main" id="{73BBDDF1-CD7C-1D0D-9AC1-D0189416E731}"/>
+                <a16:creationId xmlns:a16="http://schemas.microsoft.com/office/drawing/2014/main" id="{9EA4E21F-4ECB-06F4-918B-63711B568BC5}"/>
               </a:ext>
             </a:extLst>
           </p:cNvPr>
@@ -696,7 +696,7 @@
           <p:cNvPr id="6" name="灯片编号占位符 5">
             <a:extLst>
               <a:ext uri="{FF2B5EF4-FFF2-40B4-BE49-F238E27FC236}">
-                <a16:creationId xmlns:a16="http://schemas.microsoft.com/office/drawing/2014/main" id="{56792C67-8A9B-216B-417F-255515AE3BEB}"/>
+                <a16:creationId xmlns:a16="http://schemas.microsoft.com/office/drawing/2014/main" id="{9DD6B5B3-5851-1E18-F3F6-58ACED892C21}"/>
               </a:ext>
             </a:extLst>
           </p:cNvPr>
@@ -712,7 +712,7 @@
           <a:bodyPr/>
           <a:lstStyle/>
           <a:p>
-            <a:fld id="{76BF89B8-F768-4125-AF11-CBF94FE6FBBC}" type="slidenum">
+            <a:fld id="{B757E9BD-DC6C-4F2D-8361-6764BF417F1B}" type="slidenum">
               <a:rPr lang="zh-CN" altLang="en-US" smtClean="0"/>
               <a:t>‹#›</a:t>
             </a:fld>
@@ -723,7 +723,7 @@
     </p:spTree>
     <p:extLst>
       <p:ext uri="{BB962C8B-B14F-4D97-AF65-F5344CB8AC3E}">
-        <p14:creationId xmlns:p14="http://schemas.microsoft.com/office/powerpoint/2010/main" val="2021220619"/>
+        <p14:creationId xmlns:p14="http://schemas.microsoft.com/office/powerpoint/2010/main" val="4246378456"/>
       </p:ext>
     </p:extLst>
   </p:cSld>
@@ -755,7 +755,7 @@
           <p:cNvPr id="2" name="标题 1">
             <a:extLst>
               <a:ext uri="{FF2B5EF4-FFF2-40B4-BE49-F238E27FC236}">
-                <a16:creationId xmlns:a16="http://schemas.microsoft.com/office/drawing/2014/main" id="{0030583C-6086-8FB6-E0AD-62BE5E62B01B}"/>
+                <a16:creationId xmlns:a16="http://schemas.microsoft.com/office/drawing/2014/main" id="{175DE3FC-F831-72AF-7856-C8DDA610BA36}"/>
               </a:ext>
             </a:extLst>
           </p:cNvPr>
@@ -783,7 +783,7 @@
           <p:cNvPr id="3" name="内容占位符 2">
             <a:extLst>
               <a:ext uri="{FF2B5EF4-FFF2-40B4-BE49-F238E27FC236}">
-                <a16:creationId xmlns:a16="http://schemas.microsoft.com/office/drawing/2014/main" id="{2207240C-1CD0-A962-4E03-727EECE6B671}"/>
+                <a16:creationId xmlns:a16="http://schemas.microsoft.com/office/drawing/2014/main" id="{89D60C02-369D-0ED9-9ADB-163BE2C4E8F6}"/>
               </a:ext>
             </a:extLst>
           </p:cNvPr>
@@ -840,7 +840,7 @@
           <p:cNvPr id="4" name="日期占位符 3">
             <a:extLst>
               <a:ext uri="{FF2B5EF4-FFF2-40B4-BE49-F238E27FC236}">
-                <a16:creationId xmlns:a16="http://schemas.microsoft.com/office/drawing/2014/main" id="{A7297A30-4C3B-9BCC-5324-B1AC05F1FBAB}"/>
+                <a16:creationId xmlns:a16="http://schemas.microsoft.com/office/drawing/2014/main" id="{E50F0738-5DC8-D9D0-A325-72926CF47667}"/>
               </a:ext>
             </a:extLst>
           </p:cNvPr>
@@ -856,7 +856,7 @@
           <a:bodyPr/>
           <a:lstStyle/>
           <a:p>
-            <a:fld id="{E39F05DC-E1B5-46D2-BD48-21BE9BBD8AC2}" type="datetimeFigureOut">
+            <a:fld id="{0C393B6B-5137-4054-A5DC-B6661DCD8062}" type="datetimeFigureOut">
               <a:rPr lang="zh-CN" altLang="en-US" smtClean="0"/>
               <a:t>2024/3/10</a:t>
             </a:fld>
@@ -869,7 +869,7 @@
           <p:cNvPr id="5" name="页脚占位符 4">
             <a:extLst>
               <a:ext uri="{FF2B5EF4-FFF2-40B4-BE49-F238E27FC236}">
-                <a16:creationId xmlns:a16="http://schemas.microsoft.com/office/drawing/2014/main" id="{A9805F05-42C5-E4E2-7DBB-691A0F053835}"/>
+                <a16:creationId xmlns:a16="http://schemas.microsoft.com/office/drawing/2014/main" id="{E29BFA85-7E48-D2E4-9351-1B6025E4BBE0}"/>
               </a:ext>
             </a:extLst>
           </p:cNvPr>
@@ -894,7 +894,7 @@
           <p:cNvPr id="6" name="灯片编号占位符 5">
             <a:extLst>
               <a:ext uri="{FF2B5EF4-FFF2-40B4-BE49-F238E27FC236}">
-                <a16:creationId xmlns:a16="http://schemas.microsoft.com/office/drawing/2014/main" id="{4CFEADD1-DF7D-F26B-1781-03BF79084A66}"/>
+                <a16:creationId xmlns:a16="http://schemas.microsoft.com/office/drawing/2014/main" id="{2111EF0F-17C3-AED9-5704-4FB87180D6BF}"/>
               </a:ext>
             </a:extLst>
           </p:cNvPr>
@@ -910,7 +910,7 @@
           <a:bodyPr/>
           <a:lstStyle/>
           <a:p>
-            <a:fld id="{76BF89B8-F768-4125-AF11-CBF94FE6FBBC}" type="slidenum">
+            <a:fld id="{B757E9BD-DC6C-4F2D-8361-6764BF417F1B}" type="slidenum">
               <a:rPr lang="zh-CN" altLang="en-US" smtClean="0"/>
               <a:t>‹#›</a:t>
             </a:fld>
@@ -921,7 +921,7 @@
     </p:spTree>
     <p:extLst>
       <p:ext uri="{BB962C8B-B14F-4D97-AF65-F5344CB8AC3E}">
-        <p14:creationId xmlns:p14="http://schemas.microsoft.com/office/powerpoint/2010/main" val="3622386434"/>
+        <p14:creationId xmlns:p14="http://schemas.microsoft.com/office/powerpoint/2010/main" val="3875317188"/>
       </p:ext>
     </p:extLst>
   </p:cSld>
@@ -953,7 +953,7 @@
           <p:cNvPr id="2" name="标题 1">
             <a:extLst>
               <a:ext uri="{FF2B5EF4-FFF2-40B4-BE49-F238E27FC236}">
-                <a16:creationId xmlns:a16="http://schemas.microsoft.com/office/drawing/2014/main" id="{28D50E2C-46B6-7AF3-57BB-BDFB9EAA0297}"/>
+                <a16:creationId xmlns:a16="http://schemas.microsoft.com/office/drawing/2014/main" id="{FD651164-B6AC-EDC0-E8A4-6A8955BA7F48}"/>
               </a:ext>
             </a:extLst>
           </p:cNvPr>
@@ -990,7 +990,7 @@
           <p:cNvPr id="3" name="文本占位符 2">
             <a:extLst>
               <a:ext uri="{FF2B5EF4-FFF2-40B4-BE49-F238E27FC236}">
-                <a16:creationId xmlns:a16="http://schemas.microsoft.com/office/drawing/2014/main" id="{AC515835-2C76-0F3C-5317-8FFC3BADD12C}"/>
+                <a16:creationId xmlns:a16="http://schemas.microsoft.com/office/drawing/2014/main" id="{9D8CE22F-E566-C6F8-83A9-484D1AC23C94}"/>
               </a:ext>
             </a:extLst>
           </p:cNvPr>
@@ -1115,7 +1115,7 @@
           <p:cNvPr id="4" name="日期占位符 3">
             <a:extLst>
               <a:ext uri="{FF2B5EF4-FFF2-40B4-BE49-F238E27FC236}">
-                <a16:creationId xmlns:a16="http://schemas.microsoft.com/office/drawing/2014/main" id="{70C35733-123E-A772-5D46-7BA82BD14E86}"/>
+                <a16:creationId xmlns:a16="http://schemas.microsoft.com/office/drawing/2014/main" id="{2FF8067F-7154-4A41-71D3-FDB66C54DF2D}"/>
               </a:ext>
             </a:extLst>
           </p:cNvPr>
@@ -1131,7 +1131,7 @@
           <a:bodyPr/>
           <a:lstStyle/>
           <a:p>
-            <a:fld id="{E39F05DC-E1B5-46D2-BD48-21BE9BBD8AC2}" type="datetimeFigureOut">
+            <a:fld id="{0C393B6B-5137-4054-A5DC-B6661DCD8062}" type="datetimeFigureOut">
               <a:rPr lang="zh-CN" altLang="en-US" smtClean="0"/>
               <a:t>2024/3/10</a:t>
             </a:fld>
@@ -1144,7 +1144,7 @@
           <p:cNvPr id="5" name="页脚占位符 4">
             <a:extLst>
               <a:ext uri="{FF2B5EF4-FFF2-40B4-BE49-F238E27FC236}">
-                <a16:creationId xmlns:a16="http://schemas.microsoft.com/office/drawing/2014/main" id="{A043036C-15FF-6DBF-F29F-C7D6CF0288A5}"/>
+                <a16:creationId xmlns:a16="http://schemas.microsoft.com/office/drawing/2014/main" id="{4B590C99-818C-E012-9234-D13D6F7E3B27}"/>
               </a:ext>
             </a:extLst>
           </p:cNvPr>
@@ -1169,7 +1169,7 @@
           <p:cNvPr id="6" name="灯片编号占位符 5">
             <a:extLst>
               <a:ext uri="{FF2B5EF4-FFF2-40B4-BE49-F238E27FC236}">
-                <a16:creationId xmlns:a16="http://schemas.microsoft.com/office/drawing/2014/main" id="{9F3F1192-D836-F565-E421-1586E1520167}"/>
+                <a16:creationId xmlns:a16="http://schemas.microsoft.com/office/drawing/2014/main" id="{E3EC0DCA-E0F5-764E-60A8-68D7A7040BCC}"/>
               </a:ext>
             </a:extLst>
           </p:cNvPr>
@@ -1185,7 +1185,7 @@
           <a:bodyPr/>
           <a:lstStyle/>
           <a:p>
-            <a:fld id="{76BF89B8-F768-4125-AF11-CBF94FE6FBBC}" type="slidenum">
+            <a:fld id="{B757E9BD-DC6C-4F2D-8361-6764BF417F1B}" type="slidenum">
               <a:rPr lang="zh-CN" altLang="en-US" smtClean="0"/>
               <a:t>‹#›</a:t>
             </a:fld>
@@ -1196,7 +1196,7 @@
     </p:spTree>
     <p:extLst>
       <p:ext uri="{BB962C8B-B14F-4D97-AF65-F5344CB8AC3E}">
-        <p14:creationId xmlns:p14="http://schemas.microsoft.com/office/powerpoint/2010/main" val="4259029313"/>
+        <p14:creationId xmlns:p14="http://schemas.microsoft.com/office/powerpoint/2010/main" val="2156035916"/>
       </p:ext>
     </p:extLst>
   </p:cSld>
@@ -1228,7 +1228,7 @@
           <p:cNvPr id="2" name="标题 1">
             <a:extLst>
               <a:ext uri="{FF2B5EF4-FFF2-40B4-BE49-F238E27FC236}">
-                <a16:creationId xmlns:a16="http://schemas.microsoft.com/office/drawing/2014/main" id="{128CD070-6793-E451-9B33-CC5E59C236D0}"/>
+                <a16:creationId xmlns:a16="http://schemas.microsoft.com/office/drawing/2014/main" id="{6D0AB8E2-E365-BCF6-6349-2210D4784A76}"/>
               </a:ext>
             </a:extLst>
           </p:cNvPr>
@@ -1256,7 +1256,7 @@
           <p:cNvPr id="3" name="内容占位符 2">
             <a:extLst>
               <a:ext uri="{FF2B5EF4-FFF2-40B4-BE49-F238E27FC236}">
-                <a16:creationId xmlns:a16="http://schemas.microsoft.com/office/drawing/2014/main" id="{FA3252DE-640F-B503-8D0B-08DC96983B50}"/>
+                <a16:creationId xmlns:a16="http://schemas.microsoft.com/office/drawing/2014/main" id="{9D40C942-3F0D-BC77-2D2C-ABBE8F8EC260}"/>
               </a:ext>
             </a:extLst>
           </p:cNvPr>
@@ -1318,7 +1318,7 @@
           <p:cNvPr id="4" name="内容占位符 3">
             <a:extLst>
               <a:ext uri="{FF2B5EF4-FFF2-40B4-BE49-F238E27FC236}">
-                <a16:creationId xmlns:a16="http://schemas.microsoft.com/office/drawing/2014/main" id="{46CC75E5-D206-3D4B-1ACB-8E608E5D15F4}"/>
+                <a16:creationId xmlns:a16="http://schemas.microsoft.com/office/drawing/2014/main" id="{082CDB8E-62E9-7EAC-3713-A614B0EFC41F}"/>
               </a:ext>
             </a:extLst>
           </p:cNvPr>
@@ -1380,7 +1380,7 @@
           <p:cNvPr id="5" name="日期占位符 4">
             <a:extLst>
               <a:ext uri="{FF2B5EF4-FFF2-40B4-BE49-F238E27FC236}">
-                <a16:creationId xmlns:a16="http://schemas.microsoft.com/office/drawing/2014/main" id="{FDAE521A-5A73-9381-803E-1E4F1FDA0470}"/>
+                <a16:creationId xmlns:a16="http://schemas.microsoft.com/office/drawing/2014/main" id="{24F08D47-CB30-A4E3-2692-C8C3D6D8E023}"/>
               </a:ext>
             </a:extLst>
           </p:cNvPr>
@@ -1396,7 +1396,7 @@
           <a:bodyPr/>
           <a:lstStyle/>
           <a:p>
-            <a:fld id="{E39F05DC-E1B5-46D2-BD48-21BE9BBD8AC2}" type="datetimeFigureOut">
+            <a:fld id="{0C393B6B-5137-4054-A5DC-B6661DCD8062}" type="datetimeFigureOut">
               <a:rPr lang="zh-CN" altLang="en-US" smtClean="0"/>
               <a:t>2024/3/10</a:t>
             </a:fld>
@@ -1409,7 +1409,7 @@
           <p:cNvPr id="6" name="页脚占位符 5">
             <a:extLst>
               <a:ext uri="{FF2B5EF4-FFF2-40B4-BE49-F238E27FC236}">
-                <a16:creationId xmlns:a16="http://schemas.microsoft.com/office/drawing/2014/main" id="{A9607B90-6995-CD37-C101-4D22C491D1FF}"/>
+                <a16:creationId xmlns:a16="http://schemas.microsoft.com/office/drawing/2014/main" id="{201A6C05-2041-477A-AAC9-B59801FD29AC}"/>
               </a:ext>
             </a:extLst>
           </p:cNvPr>
@@ -1434,7 +1434,7 @@
           <p:cNvPr id="7" name="灯片编号占位符 6">
             <a:extLst>
               <a:ext uri="{FF2B5EF4-FFF2-40B4-BE49-F238E27FC236}">
-                <a16:creationId xmlns:a16="http://schemas.microsoft.com/office/drawing/2014/main" id="{0A2E5089-AC9F-2122-E500-AE061F27651C}"/>
+                <a16:creationId xmlns:a16="http://schemas.microsoft.com/office/drawing/2014/main" id="{A8F11406-80DA-F90B-3BDD-558321E9708F}"/>
               </a:ext>
             </a:extLst>
           </p:cNvPr>
@@ -1450,7 +1450,7 @@
           <a:bodyPr/>
           <a:lstStyle/>
           <a:p>
-            <a:fld id="{76BF89B8-F768-4125-AF11-CBF94FE6FBBC}" type="slidenum">
+            <a:fld id="{B757E9BD-DC6C-4F2D-8361-6764BF417F1B}" type="slidenum">
               <a:rPr lang="zh-CN" altLang="en-US" smtClean="0"/>
               <a:t>‹#›</a:t>
             </a:fld>
@@ -1461,7 +1461,7 @@
     </p:spTree>
     <p:extLst>
       <p:ext uri="{BB962C8B-B14F-4D97-AF65-F5344CB8AC3E}">
-        <p14:creationId xmlns:p14="http://schemas.microsoft.com/office/powerpoint/2010/main" val="1697962415"/>
+        <p14:creationId xmlns:p14="http://schemas.microsoft.com/office/powerpoint/2010/main" val="203168870"/>
       </p:ext>
     </p:extLst>
   </p:cSld>
@@ -1493,7 +1493,7 @@
           <p:cNvPr id="2" name="标题 1">
             <a:extLst>
               <a:ext uri="{FF2B5EF4-FFF2-40B4-BE49-F238E27FC236}">
-                <a16:creationId xmlns:a16="http://schemas.microsoft.com/office/drawing/2014/main" id="{647625AF-60C9-F992-A1CF-2E3057625216}"/>
+                <a16:creationId xmlns:a16="http://schemas.microsoft.com/office/drawing/2014/main" id="{AE379DB1-87AB-DCE1-2C01-ACC154EFDDC6}"/>
               </a:ext>
             </a:extLst>
           </p:cNvPr>
@@ -1526,7 +1526,7 @@
           <p:cNvPr id="3" name="文本占位符 2">
             <a:extLst>
               <a:ext uri="{FF2B5EF4-FFF2-40B4-BE49-F238E27FC236}">
-                <a16:creationId xmlns:a16="http://schemas.microsoft.com/office/drawing/2014/main" id="{EE25C6FC-8C5E-E84E-C513-A1D9E8D2FFB5}"/>
+                <a16:creationId xmlns:a16="http://schemas.microsoft.com/office/drawing/2014/main" id="{682B4683-D36E-883A-21F0-A952C755D102}"/>
               </a:ext>
             </a:extLst>
           </p:cNvPr>
@@ -1597,7 +1597,7 @@
           <p:cNvPr id="4" name="内容占位符 3">
             <a:extLst>
               <a:ext uri="{FF2B5EF4-FFF2-40B4-BE49-F238E27FC236}">
-                <a16:creationId xmlns:a16="http://schemas.microsoft.com/office/drawing/2014/main" id="{DEB7B9D7-469A-DF5C-904B-1960E193C212}"/>
+                <a16:creationId xmlns:a16="http://schemas.microsoft.com/office/drawing/2014/main" id="{47F0C03B-7066-5BCC-863A-B6E348C1A8DD}"/>
               </a:ext>
             </a:extLst>
           </p:cNvPr>
@@ -1659,7 +1659,7 @@
           <p:cNvPr id="5" name="文本占位符 4">
             <a:extLst>
               <a:ext uri="{FF2B5EF4-FFF2-40B4-BE49-F238E27FC236}">
-                <a16:creationId xmlns:a16="http://schemas.microsoft.com/office/drawing/2014/main" id="{AEB12358-0855-D92A-8D21-13FDEA363BF5}"/>
+                <a16:creationId xmlns:a16="http://schemas.microsoft.com/office/drawing/2014/main" id="{3D30C99C-9CFD-F0E5-3348-3ABB416D73FA}"/>
               </a:ext>
             </a:extLst>
           </p:cNvPr>
@@ -1730,7 +1730,7 @@
           <p:cNvPr id="6" name="内容占位符 5">
             <a:extLst>
               <a:ext uri="{FF2B5EF4-FFF2-40B4-BE49-F238E27FC236}">
-                <a16:creationId xmlns:a16="http://schemas.microsoft.com/office/drawing/2014/main" id="{395E9C8E-0500-C55E-581B-A5DA73197889}"/>
+                <a16:creationId xmlns:a16="http://schemas.microsoft.com/office/drawing/2014/main" id="{934C87CC-720F-FAA2-6EDF-DC5EEB476F9B}"/>
               </a:ext>
             </a:extLst>
           </p:cNvPr>
@@ -1792,7 +1792,7 @@
           <p:cNvPr id="7" name="日期占位符 6">
             <a:extLst>
               <a:ext uri="{FF2B5EF4-FFF2-40B4-BE49-F238E27FC236}">
-                <a16:creationId xmlns:a16="http://schemas.microsoft.com/office/drawing/2014/main" id="{46DF1286-2466-3F40-621E-FCB13E05A180}"/>
+                <a16:creationId xmlns:a16="http://schemas.microsoft.com/office/drawing/2014/main" id="{107CEF46-12B0-1DD0-1635-A7D47BB2E19F}"/>
               </a:ext>
             </a:extLst>
           </p:cNvPr>
@@ -1808,7 +1808,7 @@
           <a:bodyPr/>
           <a:lstStyle/>
           <a:p>
-            <a:fld id="{E39F05DC-E1B5-46D2-BD48-21BE9BBD8AC2}" type="datetimeFigureOut">
+            <a:fld id="{0C393B6B-5137-4054-A5DC-B6661DCD8062}" type="datetimeFigureOut">
               <a:rPr lang="zh-CN" altLang="en-US" smtClean="0"/>
               <a:t>2024/3/10</a:t>
             </a:fld>
@@ -1821,7 +1821,7 @@
           <p:cNvPr id="8" name="页脚占位符 7">
             <a:extLst>
               <a:ext uri="{FF2B5EF4-FFF2-40B4-BE49-F238E27FC236}">
-                <a16:creationId xmlns:a16="http://schemas.microsoft.com/office/drawing/2014/main" id="{B7798813-3286-FAF7-36BF-053B4807ABB2}"/>
+                <a16:creationId xmlns:a16="http://schemas.microsoft.com/office/drawing/2014/main" id="{9ACD5BE5-98EA-4B6B-E81E-EAFD5FC228E4}"/>
               </a:ext>
             </a:extLst>
           </p:cNvPr>
@@ -1846,7 +1846,7 @@
           <p:cNvPr id="9" name="灯片编号占位符 8">
             <a:extLst>
               <a:ext uri="{FF2B5EF4-FFF2-40B4-BE49-F238E27FC236}">
-                <a16:creationId xmlns:a16="http://schemas.microsoft.com/office/drawing/2014/main" id="{A06347AB-E4A2-7218-CFF9-2B99FAE4B100}"/>
+                <a16:creationId xmlns:a16="http://schemas.microsoft.com/office/drawing/2014/main" id="{27918C5D-C908-C021-55F2-A78F96B6F291}"/>
               </a:ext>
             </a:extLst>
           </p:cNvPr>
@@ -1862,7 +1862,7 @@
           <a:bodyPr/>
           <a:lstStyle/>
           <a:p>
-            <a:fld id="{76BF89B8-F768-4125-AF11-CBF94FE6FBBC}" type="slidenum">
+            <a:fld id="{B757E9BD-DC6C-4F2D-8361-6764BF417F1B}" type="slidenum">
               <a:rPr lang="zh-CN" altLang="en-US" smtClean="0"/>
               <a:t>‹#›</a:t>
             </a:fld>
@@ -1873,7 +1873,7 @@
     </p:spTree>
     <p:extLst>
       <p:ext uri="{BB962C8B-B14F-4D97-AF65-F5344CB8AC3E}">
-        <p14:creationId xmlns:p14="http://schemas.microsoft.com/office/powerpoint/2010/main" val="3812227653"/>
+        <p14:creationId xmlns:p14="http://schemas.microsoft.com/office/powerpoint/2010/main" val="713224908"/>
       </p:ext>
     </p:extLst>
   </p:cSld>
@@ -1905,7 +1905,7 @@
           <p:cNvPr id="2" name="标题 1">
             <a:extLst>
               <a:ext uri="{FF2B5EF4-FFF2-40B4-BE49-F238E27FC236}">
-                <a16:creationId xmlns:a16="http://schemas.microsoft.com/office/drawing/2014/main" id="{E90459F8-C6D9-3E5D-BA4B-B5BFC926E62C}"/>
+                <a16:creationId xmlns:a16="http://schemas.microsoft.com/office/drawing/2014/main" id="{2E7C58BD-ACBE-C70D-6827-15D20EBBCF97}"/>
               </a:ext>
             </a:extLst>
           </p:cNvPr>
@@ -1933,7 +1933,7 @@
           <p:cNvPr id="3" name="日期占位符 2">
             <a:extLst>
               <a:ext uri="{FF2B5EF4-FFF2-40B4-BE49-F238E27FC236}">
-                <a16:creationId xmlns:a16="http://schemas.microsoft.com/office/drawing/2014/main" id="{7D894976-FF40-3636-16B1-6B34D9A77A5D}"/>
+                <a16:creationId xmlns:a16="http://schemas.microsoft.com/office/drawing/2014/main" id="{963EA282-2F8F-D79A-4790-95B9F4F5F8D5}"/>
               </a:ext>
             </a:extLst>
           </p:cNvPr>
@@ -1949,7 +1949,7 @@
           <a:bodyPr/>
           <a:lstStyle/>
           <a:p>
-            <a:fld id="{E39F05DC-E1B5-46D2-BD48-21BE9BBD8AC2}" type="datetimeFigureOut">
+            <a:fld id="{0C393B6B-5137-4054-A5DC-B6661DCD8062}" type="datetimeFigureOut">
               <a:rPr lang="zh-CN" altLang="en-US" smtClean="0"/>
               <a:t>2024/3/10</a:t>
             </a:fld>
@@ -1962,7 +1962,7 @@
           <p:cNvPr id="4" name="页脚占位符 3">
             <a:extLst>
               <a:ext uri="{FF2B5EF4-FFF2-40B4-BE49-F238E27FC236}">
-                <a16:creationId xmlns:a16="http://schemas.microsoft.com/office/drawing/2014/main" id="{FB18A1BE-BE9E-F7DF-E092-197249D33673}"/>
+                <a16:creationId xmlns:a16="http://schemas.microsoft.com/office/drawing/2014/main" id="{0B949A3F-8519-AEF6-2BB5-38A77BA716A1}"/>
               </a:ext>
             </a:extLst>
           </p:cNvPr>
@@ -1987,7 +1987,7 @@
           <p:cNvPr id="5" name="灯片编号占位符 4">
             <a:extLst>
               <a:ext uri="{FF2B5EF4-FFF2-40B4-BE49-F238E27FC236}">
-                <a16:creationId xmlns:a16="http://schemas.microsoft.com/office/drawing/2014/main" id="{1F64C471-ED01-1AFC-5776-0C8AEDC102E3}"/>
+                <a16:creationId xmlns:a16="http://schemas.microsoft.com/office/drawing/2014/main" id="{B75A850C-BA6C-4A6D-DDBD-669D34FF898F}"/>
               </a:ext>
             </a:extLst>
           </p:cNvPr>
@@ -2003,7 +2003,7 @@
           <a:bodyPr/>
           <a:lstStyle/>
           <a:p>
-            <a:fld id="{76BF89B8-F768-4125-AF11-CBF94FE6FBBC}" type="slidenum">
+            <a:fld id="{B757E9BD-DC6C-4F2D-8361-6764BF417F1B}" type="slidenum">
               <a:rPr lang="zh-CN" altLang="en-US" smtClean="0"/>
               <a:t>‹#›</a:t>
             </a:fld>
@@ -2014,7 +2014,7 @@
     </p:spTree>
     <p:extLst>
       <p:ext uri="{BB962C8B-B14F-4D97-AF65-F5344CB8AC3E}">
-        <p14:creationId xmlns:p14="http://schemas.microsoft.com/office/powerpoint/2010/main" val="4213250889"/>
+        <p14:creationId xmlns:p14="http://schemas.microsoft.com/office/powerpoint/2010/main" val="656401475"/>
       </p:ext>
     </p:extLst>
   </p:cSld>
@@ -2046,7 +2046,7 @@
           <p:cNvPr id="2" name="日期占位符 1">
             <a:extLst>
               <a:ext uri="{FF2B5EF4-FFF2-40B4-BE49-F238E27FC236}">
-                <a16:creationId xmlns:a16="http://schemas.microsoft.com/office/drawing/2014/main" id="{54C6891D-DF0B-B9E2-5733-FF870DD9A2E1}"/>
+                <a16:creationId xmlns:a16="http://schemas.microsoft.com/office/drawing/2014/main" id="{90D9354B-EE9A-9A20-7AF2-4FCD255BD0FB}"/>
               </a:ext>
             </a:extLst>
           </p:cNvPr>
@@ -2062,7 +2062,7 @@
           <a:bodyPr/>
           <a:lstStyle/>
           <a:p>
-            <a:fld id="{E39F05DC-E1B5-46D2-BD48-21BE9BBD8AC2}" type="datetimeFigureOut">
+            <a:fld id="{0C393B6B-5137-4054-A5DC-B6661DCD8062}" type="datetimeFigureOut">
               <a:rPr lang="zh-CN" altLang="en-US" smtClean="0"/>
               <a:t>2024/3/10</a:t>
             </a:fld>
@@ -2075,7 +2075,7 @@
           <p:cNvPr id="3" name="页脚占位符 2">
             <a:extLst>
               <a:ext uri="{FF2B5EF4-FFF2-40B4-BE49-F238E27FC236}">
-                <a16:creationId xmlns:a16="http://schemas.microsoft.com/office/drawing/2014/main" id="{D3D1B8B6-18C4-1F1A-E618-3D0352582DF3}"/>
+                <a16:creationId xmlns:a16="http://schemas.microsoft.com/office/drawing/2014/main" id="{FEFCA917-3232-FB75-1AC2-3647FDE1C18B}"/>
               </a:ext>
             </a:extLst>
           </p:cNvPr>
@@ -2100,7 +2100,7 @@
           <p:cNvPr id="4" name="灯片编号占位符 3">
             <a:extLst>
               <a:ext uri="{FF2B5EF4-FFF2-40B4-BE49-F238E27FC236}">
-                <a16:creationId xmlns:a16="http://schemas.microsoft.com/office/drawing/2014/main" id="{796D3398-9D02-9AAA-E205-9FD680C3846E}"/>
+                <a16:creationId xmlns:a16="http://schemas.microsoft.com/office/drawing/2014/main" id="{305E7D58-08A6-FC5E-160C-CC0BCBA4B2C8}"/>
               </a:ext>
             </a:extLst>
           </p:cNvPr>
@@ -2116,7 +2116,7 @@
           <a:bodyPr/>
           <a:lstStyle/>
           <a:p>
-            <a:fld id="{76BF89B8-F768-4125-AF11-CBF94FE6FBBC}" type="slidenum">
+            <a:fld id="{B757E9BD-DC6C-4F2D-8361-6764BF417F1B}" type="slidenum">
               <a:rPr lang="zh-CN" altLang="en-US" smtClean="0"/>
               <a:t>‹#›</a:t>
             </a:fld>
@@ -2127,7 +2127,7 @@
     </p:spTree>
     <p:extLst>
       <p:ext uri="{BB962C8B-B14F-4D97-AF65-F5344CB8AC3E}">
-        <p14:creationId xmlns:p14="http://schemas.microsoft.com/office/powerpoint/2010/main" val="2801361142"/>
+        <p14:creationId xmlns:p14="http://schemas.microsoft.com/office/powerpoint/2010/main" val="520480017"/>
       </p:ext>
     </p:extLst>
   </p:cSld>
@@ -2159,7 +2159,7 @@
           <p:cNvPr id="2" name="标题 1">
             <a:extLst>
               <a:ext uri="{FF2B5EF4-FFF2-40B4-BE49-F238E27FC236}">
-                <a16:creationId xmlns:a16="http://schemas.microsoft.com/office/drawing/2014/main" id="{71BBCE33-BB8B-979B-B131-87A4D2F385AA}"/>
+                <a16:creationId xmlns:a16="http://schemas.microsoft.com/office/drawing/2014/main" id="{A12DEB9D-73A8-D288-1FD2-1C36A4EA0A88}"/>
               </a:ext>
             </a:extLst>
           </p:cNvPr>
@@ -2196,7 +2196,7 @@
           <p:cNvPr id="3" name="内容占位符 2">
             <a:extLst>
               <a:ext uri="{FF2B5EF4-FFF2-40B4-BE49-F238E27FC236}">
-                <a16:creationId xmlns:a16="http://schemas.microsoft.com/office/drawing/2014/main" id="{A9A66E94-D4F8-FD09-8FC8-06543C494D6D}"/>
+                <a16:creationId xmlns:a16="http://schemas.microsoft.com/office/drawing/2014/main" id="{215A4BE8-BEF0-D0FE-FACF-B4BDE273A7B5}"/>
               </a:ext>
             </a:extLst>
           </p:cNvPr>
@@ -2286,7 +2286,7 @@
           <p:cNvPr id="4" name="文本占位符 3">
             <a:extLst>
               <a:ext uri="{FF2B5EF4-FFF2-40B4-BE49-F238E27FC236}">
-                <a16:creationId xmlns:a16="http://schemas.microsoft.com/office/drawing/2014/main" id="{4B768D52-90AF-0ED5-A364-7CF3FA227C7F}"/>
+                <a16:creationId xmlns:a16="http://schemas.microsoft.com/office/drawing/2014/main" id="{04B9303D-CB76-F78F-BFFC-5A8A7152C5CD}"/>
               </a:ext>
             </a:extLst>
           </p:cNvPr>
@@ -2357,7 +2357,7 @@
           <p:cNvPr id="5" name="日期占位符 4">
             <a:extLst>
               <a:ext uri="{FF2B5EF4-FFF2-40B4-BE49-F238E27FC236}">
-                <a16:creationId xmlns:a16="http://schemas.microsoft.com/office/drawing/2014/main" id="{2DD34087-E6EC-AF7C-B04A-4547AA0F5D61}"/>
+                <a16:creationId xmlns:a16="http://schemas.microsoft.com/office/drawing/2014/main" id="{FFC23AE8-FD22-F7CF-9C73-E12A084E8F63}"/>
               </a:ext>
             </a:extLst>
           </p:cNvPr>
@@ -2373,7 +2373,7 @@
           <a:bodyPr/>
           <a:lstStyle/>
           <a:p>
-            <a:fld id="{E39F05DC-E1B5-46D2-BD48-21BE9BBD8AC2}" type="datetimeFigureOut">
+            <a:fld id="{0C393B6B-5137-4054-A5DC-B6661DCD8062}" type="datetimeFigureOut">
               <a:rPr lang="zh-CN" altLang="en-US" smtClean="0"/>
               <a:t>2024/3/10</a:t>
             </a:fld>
@@ -2386,7 +2386,7 @@
           <p:cNvPr id="6" name="页脚占位符 5">
             <a:extLst>
               <a:ext uri="{FF2B5EF4-FFF2-40B4-BE49-F238E27FC236}">
-                <a16:creationId xmlns:a16="http://schemas.microsoft.com/office/drawing/2014/main" id="{6DF61C7B-99BB-A1F8-F158-313116671520}"/>
+                <a16:creationId xmlns:a16="http://schemas.microsoft.com/office/drawing/2014/main" id="{23C41C9D-5CDB-8026-9F64-E47802CCD5E4}"/>
               </a:ext>
             </a:extLst>
           </p:cNvPr>
@@ -2411,7 +2411,7 @@
           <p:cNvPr id="7" name="灯片编号占位符 6">
             <a:extLst>
               <a:ext uri="{FF2B5EF4-FFF2-40B4-BE49-F238E27FC236}">
-                <a16:creationId xmlns:a16="http://schemas.microsoft.com/office/drawing/2014/main" id="{3F2CB419-519D-1871-7CEF-4F777A90F799}"/>
+                <a16:creationId xmlns:a16="http://schemas.microsoft.com/office/drawing/2014/main" id="{8442ADE9-7012-7158-8829-7006BA57C257}"/>
               </a:ext>
             </a:extLst>
           </p:cNvPr>
@@ -2427,7 +2427,7 @@
           <a:bodyPr/>
           <a:lstStyle/>
           <a:p>
-            <a:fld id="{76BF89B8-F768-4125-AF11-CBF94FE6FBBC}" type="slidenum">
+            <a:fld id="{B757E9BD-DC6C-4F2D-8361-6764BF417F1B}" type="slidenum">
               <a:rPr lang="zh-CN" altLang="en-US" smtClean="0"/>
               <a:t>‹#›</a:t>
             </a:fld>
@@ -2438,7 +2438,7 @@
     </p:spTree>
     <p:extLst>
       <p:ext uri="{BB962C8B-B14F-4D97-AF65-F5344CB8AC3E}">
-        <p14:creationId xmlns:p14="http://schemas.microsoft.com/office/powerpoint/2010/main" val="3292282050"/>
+        <p14:creationId xmlns:p14="http://schemas.microsoft.com/office/powerpoint/2010/main" val="100121568"/>
       </p:ext>
     </p:extLst>
   </p:cSld>
@@ -2470,7 +2470,7 @@
           <p:cNvPr id="2" name="标题 1">
             <a:extLst>
               <a:ext uri="{FF2B5EF4-FFF2-40B4-BE49-F238E27FC236}">
-                <a16:creationId xmlns:a16="http://schemas.microsoft.com/office/drawing/2014/main" id="{306BFA67-F57B-D942-F8E1-D823493A7556}"/>
+                <a16:creationId xmlns:a16="http://schemas.microsoft.com/office/drawing/2014/main" id="{7F78A9BB-CBF1-2D33-3391-CC2AD20D664F}"/>
               </a:ext>
             </a:extLst>
           </p:cNvPr>
@@ -2507,7 +2507,7 @@
           <p:cNvPr id="3" name="图片占位符 2">
             <a:extLst>
               <a:ext uri="{FF2B5EF4-FFF2-40B4-BE49-F238E27FC236}">
-                <a16:creationId xmlns:a16="http://schemas.microsoft.com/office/drawing/2014/main" id="{D34C0F79-9F99-1870-764B-094B032E689B}"/>
+                <a16:creationId xmlns:a16="http://schemas.microsoft.com/office/drawing/2014/main" id="{9669C10A-CDD6-3D48-1183-40670BE1CF91}"/>
               </a:ext>
             </a:extLst>
           </p:cNvPr>
@@ -2574,7 +2574,7 @@
           <p:cNvPr id="4" name="文本占位符 3">
             <a:extLst>
               <a:ext uri="{FF2B5EF4-FFF2-40B4-BE49-F238E27FC236}">
-                <a16:creationId xmlns:a16="http://schemas.microsoft.com/office/drawing/2014/main" id="{EFBC5FB3-09E6-8085-3110-CF28E2416BE6}"/>
+                <a16:creationId xmlns:a16="http://schemas.microsoft.com/office/drawing/2014/main" id="{5FA90910-5586-E1C1-96BA-EF999A65DB6E}"/>
               </a:ext>
             </a:extLst>
           </p:cNvPr>
@@ -2645,7 +2645,7 @@
           <p:cNvPr id="5" name="日期占位符 4">
             <a:extLst>
               <a:ext uri="{FF2B5EF4-FFF2-40B4-BE49-F238E27FC236}">
-                <a16:creationId xmlns:a16="http://schemas.microsoft.com/office/drawing/2014/main" id="{599D0A22-3CE5-6357-7DF8-7EE20F0DE451}"/>
+                <a16:creationId xmlns:a16="http://schemas.microsoft.com/office/drawing/2014/main" id="{D904858F-659B-1F69-5A0D-1ABE55F74E80}"/>
               </a:ext>
             </a:extLst>
           </p:cNvPr>
@@ -2661,7 +2661,7 @@
           <a:bodyPr/>
           <a:lstStyle/>
           <a:p>
-            <a:fld id="{E39F05DC-E1B5-46D2-BD48-21BE9BBD8AC2}" type="datetimeFigureOut">
+            <a:fld id="{0C393B6B-5137-4054-A5DC-B6661DCD8062}" type="datetimeFigureOut">
               <a:rPr lang="zh-CN" altLang="en-US" smtClean="0"/>
               <a:t>2024/3/10</a:t>
             </a:fld>
@@ -2674,7 +2674,7 @@
           <p:cNvPr id="6" name="页脚占位符 5">
             <a:extLst>
               <a:ext uri="{FF2B5EF4-FFF2-40B4-BE49-F238E27FC236}">
-                <a16:creationId xmlns:a16="http://schemas.microsoft.com/office/drawing/2014/main" id="{0D699D4F-2FC8-F000-D7A8-98F7B71744CB}"/>
+                <a16:creationId xmlns:a16="http://schemas.microsoft.com/office/drawing/2014/main" id="{534D6C48-BDD1-0850-3225-DD130365D957}"/>
               </a:ext>
             </a:extLst>
           </p:cNvPr>
@@ -2699,7 +2699,7 @@
           <p:cNvPr id="7" name="灯片编号占位符 6">
             <a:extLst>
               <a:ext uri="{FF2B5EF4-FFF2-40B4-BE49-F238E27FC236}">
-                <a16:creationId xmlns:a16="http://schemas.microsoft.com/office/drawing/2014/main" id="{09196964-0DD0-55F1-0703-5FC26892F067}"/>
+                <a16:creationId xmlns:a16="http://schemas.microsoft.com/office/drawing/2014/main" id="{55785513-F10A-5E71-5AA7-DF9D3306C278}"/>
               </a:ext>
             </a:extLst>
           </p:cNvPr>
@@ -2715,7 +2715,7 @@
           <a:bodyPr/>
           <a:lstStyle/>
           <a:p>
-            <a:fld id="{76BF89B8-F768-4125-AF11-CBF94FE6FBBC}" type="slidenum">
+            <a:fld id="{B757E9BD-DC6C-4F2D-8361-6764BF417F1B}" type="slidenum">
               <a:rPr lang="zh-CN" altLang="en-US" smtClean="0"/>
               <a:t>‹#›</a:t>
             </a:fld>
@@ -2726,7 +2726,7 @@
     </p:spTree>
     <p:extLst>
       <p:ext uri="{BB962C8B-B14F-4D97-AF65-F5344CB8AC3E}">
-        <p14:creationId xmlns:p14="http://schemas.microsoft.com/office/powerpoint/2010/main" val="2056076444"/>
+        <p14:creationId xmlns:p14="http://schemas.microsoft.com/office/powerpoint/2010/main" val="2544287865"/>
       </p:ext>
     </p:extLst>
   </p:cSld>
@@ -2763,7 +2763,7 @@
           <p:cNvPr id="2" name="标题占位符 1">
             <a:extLst>
               <a:ext uri="{FF2B5EF4-FFF2-40B4-BE49-F238E27FC236}">
-                <a16:creationId xmlns:a16="http://schemas.microsoft.com/office/drawing/2014/main" id="{0F81E90F-DF49-333D-2C82-B1C96EEB637B}"/>
+                <a16:creationId xmlns:a16="http://schemas.microsoft.com/office/drawing/2014/main" id="{7D778ED4-3C52-8CEC-14BB-726BCFCEDACF}"/>
               </a:ext>
             </a:extLst>
           </p:cNvPr>
@@ -2801,7 +2801,7 @@
           <p:cNvPr id="3" name="文本占位符 2">
             <a:extLst>
               <a:ext uri="{FF2B5EF4-FFF2-40B4-BE49-F238E27FC236}">
-                <a16:creationId xmlns:a16="http://schemas.microsoft.com/office/drawing/2014/main" id="{36FAD388-CFFA-6D58-8DB4-F32470EFCE49}"/>
+                <a16:creationId xmlns:a16="http://schemas.microsoft.com/office/drawing/2014/main" id="{70B2E0CB-E74F-7358-5442-2E5F96DF2183}"/>
               </a:ext>
             </a:extLst>
           </p:cNvPr>
@@ -2868,7 +2868,7 @@
           <p:cNvPr id="4" name="日期占位符 3">
             <a:extLst>
               <a:ext uri="{FF2B5EF4-FFF2-40B4-BE49-F238E27FC236}">
-                <a16:creationId xmlns:a16="http://schemas.microsoft.com/office/drawing/2014/main" id="{A5C66F69-40C8-20D4-326C-0CCB8A60DB24}"/>
+                <a16:creationId xmlns:a16="http://schemas.microsoft.com/office/drawing/2014/main" id="{998CF4EB-5D34-2773-0DF4-29A5969FC30C}"/>
               </a:ext>
             </a:extLst>
           </p:cNvPr>
@@ -2902,7 +2902,7 @@
             </a:lvl1pPr>
           </a:lstStyle>
           <a:p>
-            <a:fld id="{E39F05DC-E1B5-46D2-BD48-21BE9BBD8AC2}" type="datetimeFigureOut">
+            <a:fld id="{0C393B6B-5137-4054-A5DC-B6661DCD8062}" type="datetimeFigureOut">
               <a:rPr lang="zh-CN" altLang="en-US" smtClean="0"/>
               <a:t>2024/3/10</a:t>
             </a:fld>
@@ -2915,7 +2915,7 @@
           <p:cNvPr id="5" name="页脚占位符 4">
             <a:extLst>
               <a:ext uri="{FF2B5EF4-FFF2-40B4-BE49-F238E27FC236}">
-                <a16:creationId xmlns:a16="http://schemas.microsoft.com/office/drawing/2014/main" id="{25DB83B5-2478-DAA1-D299-88941BD6A723}"/>
+                <a16:creationId xmlns:a16="http://schemas.microsoft.com/office/drawing/2014/main" id="{D56ABEAC-767A-AD9B-4922-D766C52D362D}"/>
               </a:ext>
             </a:extLst>
           </p:cNvPr>
@@ -2958,7 +2958,7 @@
           <p:cNvPr id="6" name="灯片编号占位符 5">
             <a:extLst>
               <a:ext uri="{FF2B5EF4-FFF2-40B4-BE49-F238E27FC236}">
-                <a16:creationId xmlns:a16="http://schemas.microsoft.com/office/drawing/2014/main" id="{BFA4141E-48E8-ACFC-159A-3EB20F030226}"/>
+                <a16:creationId xmlns:a16="http://schemas.microsoft.com/office/drawing/2014/main" id="{766033D4-B330-B72E-865D-3806A3A0DE72}"/>
               </a:ext>
             </a:extLst>
           </p:cNvPr>
@@ -2992,7 +2992,7 @@
             </a:lvl1pPr>
           </a:lstStyle>
           <a:p>
-            <a:fld id="{76BF89B8-F768-4125-AF11-CBF94FE6FBBC}" type="slidenum">
+            <a:fld id="{B757E9BD-DC6C-4F2D-8361-6764BF417F1B}" type="slidenum">
               <a:rPr lang="zh-CN" altLang="en-US" smtClean="0"/>
               <a:t>‹#›</a:t>
             </a:fld>
@@ -3003,7 +3003,7 @@
     </p:spTree>
     <p:extLst>
       <p:ext uri="{BB962C8B-B14F-4D97-AF65-F5344CB8AC3E}">
-        <p14:creationId xmlns:p14="http://schemas.microsoft.com/office/powerpoint/2010/main" val="3673538245"/>
+        <p14:creationId xmlns:p14="http://schemas.microsoft.com/office/powerpoint/2010/main" val="2460428511"/>
       </p:ext>
     </p:extLst>
   </p:cSld>
